--- a/Project_1 (Group 2).pptx
+++ b/Project_1 (Group 2).pptx
@@ -6285,8 +6285,8 @@
         </p:nvSpPr>
         <p:spPr>
           <a:xfrm>
-            <a:off x="625642" y="3527659"/>
-            <a:ext cx="8518358" cy="3330341"/>
+            <a:off x="625642" y="3733800"/>
+            <a:ext cx="8518358" cy="3124200"/>
           </a:xfrm>
         </p:spPr>
         <p:txBody>
@@ -6329,6 +6329,57 @@
           </a:p>
           <a:p>
             <a:r>
+              <a:rPr lang="en-US" sz="2400" dirty="0" err="1">
+                <a:solidFill>
+                  <a:schemeClr val="tx1"/>
+                </a:solidFill>
+              </a:rPr>
+              <a:t>Elangovan</a:t>
+            </a:r>
+            <a:r>
+              <a:rPr lang="en-US" sz="2400" dirty="0">
+                <a:solidFill>
+                  <a:schemeClr val="tx1"/>
+                </a:solidFill>
+              </a:rPr>
+              <a:t>, </a:t>
+            </a:r>
+            <a:r>
+              <a:rPr lang="en-US" sz="2400" dirty="0" err="1">
+                <a:solidFill>
+                  <a:schemeClr val="tx1"/>
+                </a:solidFill>
+              </a:rPr>
+              <a:t>Elamathi</a:t>
+            </a:r>
+            <a:endParaRPr lang="en-US" sz="1800" dirty="0">
+              <a:solidFill>
+                <a:schemeClr val="tx1"/>
+              </a:solidFill>
+            </a:endParaRPr>
+          </a:p>
+          <a:p>
+            <a:r>
+              <a:rPr lang="en-US" sz="2400" dirty="0">
+                <a:solidFill>
+                  <a:schemeClr val="tx1"/>
+                </a:solidFill>
+              </a:rPr>
+              <a:t>Marshall, Ryan</a:t>
+            </a:r>
+          </a:p>
+          <a:p>
+            <a:r>
+              <a:rPr lang="en-US" sz="2400" dirty="0">
+                <a:solidFill>
+                  <a:schemeClr val="tx1"/>
+                </a:solidFill>
+              </a:rPr>
+              <a:t>Rai, Meena</a:t>
+            </a:r>
+          </a:p>
+          <a:p>
+            <a:r>
               <a:rPr lang="en-US" sz="2400" dirty="0">
                 <a:solidFill>
                   <a:schemeClr val="tx1"/>
@@ -6336,57 +6387,6 @@
               </a:rPr>
               <a:t>Samuel, Joshua</a:t>
             </a:r>
-          </a:p>
-          <a:p>
-            <a:r>
-              <a:rPr lang="en-US" sz="2400" dirty="0">
-                <a:solidFill>
-                  <a:schemeClr val="tx1"/>
-                </a:solidFill>
-              </a:rPr>
-              <a:t>Rai, Meena</a:t>
-            </a:r>
-          </a:p>
-          <a:p>
-            <a:r>
-              <a:rPr lang="en-US" sz="2400" dirty="0">
-                <a:solidFill>
-                  <a:schemeClr val="tx1"/>
-                </a:solidFill>
-              </a:rPr>
-              <a:t>Marshall, Ryan</a:t>
-            </a:r>
-          </a:p>
-          <a:p>
-            <a:r>
-              <a:rPr lang="en-US" sz="2400" dirty="0" err="1">
-                <a:solidFill>
-                  <a:schemeClr val="tx1"/>
-                </a:solidFill>
-              </a:rPr>
-              <a:t>Elangovan</a:t>
-            </a:r>
-            <a:r>
-              <a:rPr lang="en-US" sz="2400" dirty="0">
-                <a:solidFill>
-                  <a:schemeClr val="tx1"/>
-                </a:solidFill>
-              </a:rPr>
-              <a:t>, </a:t>
-            </a:r>
-            <a:r>
-              <a:rPr lang="en-US" sz="2400" dirty="0" err="1">
-                <a:solidFill>
-                  <a:schemeClr val="tx1"/>
-                </a:solidFill>
-              </a:rPr>
-              <a:t>Elamathi</a:t>
-            </a:r>
-            <a:endParaRPr lang="en-US" sz="1800" dirty="0">
-              <a:solidFill>
-                <a:schemeClr val="tx1"/>
-              </a:solidFill>
-            </a:endParaRPr>
           </a:p>
         </p:txBody>
       </p:sp>
@@ -6612,8 +6612,8 @@
         </p:nvSpPr>
         <p:spPr>
           <a:xfrm>
-            <a:off x="0" y="5832910"/>
-            <a:ext cx="4039325" cy="1015663"/>
+            <a:off x="0" y="6103203"/>
+            <a:ext cx="4039325" cy="830997"/>
           </a:xfrm>
           <a:prstGeom prst="rect">
             <a:avLst/>
@@ -6652,10 +6652,8 @@
               <a:buChar char="•"/>
             </a:pPr>
             <a:r>
-              <a:rPr lang="en-US" sz="1200" i="1" dirty="0">
-                <a:hlinkClick r:id="rId4"/>
-              </a:rPr>
-              <a:t>https://greatergood.berkeley.edu/article/item/genetics_of_happiness</a:t>
+              <a:rPr lang="en-US" sz="1200" i="1" dirty="0"/>
+              <a:t>https://worldhappiness.report/ed/2022/ </a:t>
             </a:r>
             <a:endParaRPr lang="en-US" sz="1200" i="1" dirty="0">
               <a:sym typeface="Wingdings" panose="05000000000000000000" pitchFamily="2" charset="2"/>
@@ -6748,7 +6746,7 @@
               <a:rPr lang="en-US" sz="2000" dirty="0">
                 <a:sym typeface="Wingdings" panose="05000000000000000000" pitchFamily="2" charset="2"/>
               </a:rPr>
-              <a:t> Happiness gene</a:t>
+              <a:t> Happiness gene ??</a:t>
             </a:r>
           </a:p>
           <a:p>
@@ -6864,134 +6862,6 @@
           </a:p>
         </p:txBody>
       </p:sp>
-      <p:grpSp>
-        <p:nvGrpSpPr>
-          <p:cNvPr id="52" name="Group 51">
-            <a:extLst>
-              <a:ext uri="{FF2B5EF4-FFF2-40B4-BE49-F238E27FC236}">
-                <a16:creationId xmlns:a16="http://schemas.microsoft.com/office/drawing/2014/main" id="{FE038193-EAE4-BBF4-055D-615CD6719EFB}"/>
-              </a:ext>
-            </a:extLst>
-          </p:cNvPr>
-          <p:cNvGrpSpPr/>
-          <p:nvPr/>
-        </p:nvGrpSpPr>
-        <p:grpSpPr>
-          <a:xfrm>
-            <a:off x="7620001" y="433863"/>
-            <a:ext cx="1828799" cy="1427947"/>
-            <a:chOff x="7620001" y="433863"/>
-            <a:chExt cx="1828799" cy="1427947"/>
-          </a:xfrm>
-        </p:grpSpPr>
-        <p:pic>
-          <p:nvPicPr>
-            <p:cNvPr id="8" name="Picture 6">
-              <a:extLst>
-                <a:ext uri="{FF2B5EF4-FFF2-40B4-BE49-F238E27FC236}">
-                  <a16:creationId xmlns:a16="http://schemas.microsoft.com/office/drawing/2014/main" id="{6DF7FD2A-30F6-C233-E59E-B7002000811B}"/>
-                </a:ext>
-              </a:extLst>
-            </p:cNvPr>
-            <p:cNvPicPr>
-              <a:picLocks noChangeAspect="1" noChangeArrowheads="1"/>
-            </p:cNvPicPr>
-            <p:nvPr/>
-          </p:nvPicPr>
-          <p:blipFill>
-            <a:blip r:embed="rId5" cstate="print">
-              <a:extLst>
-                <a:ext uri="{28A0092B-C50C-407E-A947-70E740481C1C}">
-                  <a14:useLocalDpi xmlns:a14="http://schemas.microsoft.com/office/drawing/2010/main" val="0"/>
-                </a:ext>
-              </a:extLst>
-            </a:blip>
-            <a:srcRect/>
-            <a:stretch>
-              <a:fillRect/>
-            </a:stretch>
-          </p:blipFill>
-          <p:spPr bwMode="auto">
-            <a:xfrm>
-              <a:off x="7696199" y="433863"/>
-              <a:ext cx="1447801" cy="1143392"/>
-            </a:xfrm>
-            <a:prstGeom prst="rect">
-              <a:avLst/>
-            </a:prstGeom>
-            <a:noFill/>
-            <a:extLst>
-              <a:ext uri="{909E8E84-426E-40DD-AFC4-6F175D3DCCD1}">
-                <a14:hiddenFill xmlns:a14="http://schemas.microsoft.com/office/drawing/2010/main">
-                  <a:solidFill>
-                    <a:srgbClr val="FFFFFF"/>
-                  </a:solidFill>
-                </a14:hiddenFill>
-              </a:ext>
-            </a:extLst>
-          </p:spPr>
-        </p:pic>
-        <p:sp>
-          <p:nvSpPr>
-            <p:cNvPr id="16" name="TextBox 15">
-              <a:extLst>
-                <a:ext uri="{FF2B5EF4-FFF2-40B4-BE49-F238E27FC236}">
-                  <a16:creationId xmlns:a16="http://schemas.microsoft.com/office/drawing/2014/main" id="{66D16518-F453-6FFD-2F40-BF80E380E966}"/>
-                </a:ext>
-              </a:extLst>
-            </p:cNvPr>
-            <p:cNvSpPr txBox="1"/>
-            <p:nvPr/>
-          </p:nvSpPr>
-          <p:spPr>
-            <a:xfrm>
-              <a:off x="7620001" y="1600200"/>
-              <a:ext cx="1828799" cy="261610"/>
-            </a:xfrm>
-            <a:prstGeom prst="rect">
-              <a:avLst/>
-            </a:prstGeom>
-            <a:noFill/>
-          </p:spPr>
-          <p:txBody>
-            <a:bodyPr wrap="square">
-              <a:spAutoFit/>
-            </a:bodyPr>
-            <a:lstStyle/>
-            <a:p>
-              <a:r>
-                <a:rPr lang="en-US" sz="1100" b="1" i="0" dirty="0">
-                  <a:effectLst/>
-                  <a:latin typeface="FreightText Pro"/>
-                </a:rPr>
-                <a:t>© </a:t>
-              </a:r>
-              <a:r>
-                <a:rPr lang="en-US" sz="1100" b="1" i="0" dirty="0" err="1">
-                  <a:effectLst/>
-                  <a:latin typeface="FreightText Pro"/>
-                </a:rPr>
-                <a:t>Özgür</a:t>
-              </a:r>
-              <a:r>
-                <a:rPr lang="en-US" sz="1100" b="1" i="0" dirty="0">
-                  <a:effectLst/>
-                  <a:latin typeface="FreightText Pro"/>
-                </a:rPr>
-                <a:t> </a:t>
-              </a:r>
-              <a:r>
-                <a:rPr lang="en-US" sz="1100" b="1" i="0" dirty="0" err="1">
-                  <a:effectLst/>
-                  <a:latin typeface="FreightText Pro"/>
-                </a:rPr>
-                <a:t>Donmaz</a:t>
-              </a:r>
-              <a:endParaRPr lang="en-US" sz="1100" dirty="0"/>
-            </a:p>
-          </p:txBody>
-        </p:sp>
-      </p:grpSp>
       <p:grpSp>
         <p:nvGrpSpPr>
           <p:cNvPr id="37" name="Group 36">
@@ -7038,7 +6908,7 @@
           </p:xfrm>
           <a:graphic>
             <a:graphicData uri="http://schemas.openxmlformats.org/drawingml/2006/chart">
-              <c:chart xmlns:c="http://schemas.openxmlformats.org/drawingml/2006/chart" xmlns:r="http://schemas.openxmlformats.org/officeDocument/2006/relationships" r:id="rId6"/>
+              <c:chart xmlns:c="http://schemas.openxmlformats.org/drawingml/2006/chart" xmlns:r="http://schemas.openxmlformats.org/officeDocument/2006/relationships" r:id="rId4"/>
             </a:graphicData>
           </a:graphic>
         </p:graphicFrame>
@@ -7080,6 +6950,35 @@
           </p:txBody>
         </p:sp>
       </p:grpSp>
+      <p:pic>
+        <p:nvPicPr>
+          <p:cNvPr id="9" name="Picture 8">
+            <a:extLst>
+              <a:ext uri="{FF2B5EF4-FFF2-40B4-BE49-F238E27FC236}">
+                <a16:creationId xmlns:a16="http://schemas.microsoft.com/office/drawing/2014/main" id="{57827FE1-63EE-81E5-E621-59A3C6531580}"/>
+              </a:ext>
+            </a:extLst>
+          </p:cNvPr>
+          <p:cNvPicPr>
+            <a:picLocks noChangeAspect="1"/>
+          </p:cNvPicPr>
+          <p:nvPr/>
+        </p:nvPicPr>
+        <p:blipFill rotWithShape="1">
+          <a:blip r:embed="rId5"/>
+          <a:srcRect b="35231"/>
+          <a:stretch/>
+        </p:blipFill>
+        <p:spPr>
+          <a:xfrm>
+            <a:off x="6629400" y="803075"/>
+            <a:ext cx="2514600" cy="1312769"/>
+          </a:xfrm>
+          <a:prstGeom prst="rect">
+            <a:avLst/>
+          </a:prstGeom>
+        </p:spPr>
+      </p:pic>
     </p:spTree>
     <p:extLst>
       <p:ext uri="{BB962C8B-B14F-4D97-AF65-F5344CB8AC3E}">
@@ -7307,7 +7206,7 @@
                                           </p:stCondLst>
                                         </p:cTn>
                                         <p:tgtEl>
-                                          <p:spTgt spid="52"/>
+                                          <p:spTgt spid="9"/>
                                         </p:tgtEl>
                                         <p:attrNameLst>
                                           <p:attrName>style.visibility</p:attrName>
